--- a/Presentation.pptx
+++ b/Presentation.pptx
@@ -212,7 +212,7 @@
           <a:p>
             <a:fld id="{4A3E3AF3-89BA-44AB-A2FA-4CA8BA1756E6}" type="datetimeFigureOut">
               <a:rPr lang="zh-CN" altLang="en-US" smtClean="0"/>
-              <a:t>2020/1/3</a:t>
+              <a:t>2020/1/4</a:t>
             </a:fld>
             <a:endParaRPr lang="zh-CN" altLang="en-US"/>
           </a:p>
@@ -1386,6 +1386,542 @@
   <p:clrMapOvr>
     <a:masterClrMapping/>
   </p:clrMapOvr>
+  <p:timing>
+    <p:tnLst>
+      <p:par>
+        <p:cTn id="1" dur="indefinite" restart="never" nodeType="tmRoot">
+          <p:childTnLst>
+            <p:seq concurrent="1" nextAc="seek">
+              <p:cTn id="2" dur="indefinite" nodeType="mainSeq">
+                <p:childTnLst>
+                  <p:par>
+                    <p:cTn id="3" fill="hold">
+                      <p:stCondLst>
+                        <p:cond delay="indefinite"/>
+                      </p:stCondLst>
+                      <p:childTnLst>
+                        <p:par>
+                          <p:cTn id="4" fill="hold">
+                            <p:stCondLst>
+                              <p:cond delay="0"/>
+                            </p:stCondLst>
+                            <p:childTnLst>
+                              <p:par>
+                                <p:cTn id="5" presetID="10" presetClass="entr" presetSubtype="0" fill="hold" grpId="0" nodeType="clickEffect">
+                                  <p:stCondLst>
+                                    <p:cond delay="0"/>
+                                  </p:stCondLst>
+                                  <p:childTnLst>
+                                    <p:set>
+                                      <p:cBhvr>
+                                        <p:cTn id="6" dur="1" fill="hold">
+                                          <p:stCondLst>
+                                            <p:cond delay="0"/>
+                                          </p:stCondLst>
+                                        </p:cTn>
+                                        <p:tgtEl>
+                                          <p:spTgt spid="3">
+                                            <p:txEl>
+                                              <p:pRg st="0" end="0"/>
+                                            </p:txEl>
+                                          </p:spTgt>
+                                        </p:tgtEl>
+                                        <p:attrNameLst>
+                                          <p:attrName>style.visibility</p:attrName>
+                                        </p:attrNameLst>
+                                      </p:cBhvr>
+                                      <p:to>
+                                        <p:strVal val="visible"/>
+                                      </p:to>
+                                    </p:set>
+                                    <p:animEffect transition="in" filter="fade">
+                                      <p:cBhvr>
+                                        <p:cTn id="7" dur="500"/>
+                                        <p:tgtEl>
+                                          <p:spTgt spid="3">
+                                            <p:txEl>
+                                              <p:pRg st="0" end="0"/>
+                                            </p:txEl>
+                                          </p:spTgt>
+                                        </p:tgtEl>
+                                      </p:cBhvr>
+                                    </p:animEffect>
+                                  </p:childTnLst>
+                                </p:cTn>
+                              </p:par>
+                            </p:childTnLst>
+                          </p:cTn>
+                        </p:par>
+                      </p:childTnLst>
+                    </p:cTn>
+                  </p:par>
+                  <p:par>
+                    <p:cTn id="8" fill="hold">
+                      <p:stCondLst>
+                        <p:cond delay="indefinite"/>
+                      </p:stCondLst>
+                      <p:childTnLst>
+                        <p:par>
+                          <p:cTn id="9" fill="hold">
+                            <p:stCondLst>
+                              <p:cond delay="0"/>
+                            </p:stCondLst>
+                            <p:childTnLst>
+                              <p:par>
+                                <p:cTn id="10" presetID="10" presetClass="entr" presetSubtype="0" fill="hold" grpId="0" nodeType="clickEffect">
+                                  <p:stCondLst>
+                                    <p:cond delay="0"/>
+                                  </p:stCondLst>
+                                  <p:childTnLst>
+                                    <p:set>
+                                      <p:cBhvr>
+                                        <p:cTn id="11" dur="1" fill="hold">
+                                          <p:stCondLst>
+                                            <p:cond delay="0"/>
+                                          </p:stCondLst>
+                                        </p:cTn>
+                                        <p:tgtEl>
+                                          <p:spTgt spid="3">
+                                            <p:txEl>
+                                              <p:pRg st="1" end="1"/>
+                                            </p:txEl>
+                                          </p:spTgt>
+                                        </p:tgtEl>
+                                        <p:attrNameLst>
+                                          <p:attrName>style.visibility</p:attrName>
+                                        </p:attrNameLst>
+                                      </p:cBhvr>
+                                      <p:to>
+                                        <p:strVal val="visible"/>
+                                      </p:to>
+                                    </p:set>
+                                    <p:animEffect transition="in" filter="fade">
+                                      <p:cBhvr>
+                                        <p:cTn id="12" dur="500"/>
+                                        <p:tgtEl>
+                                          <p:spTgt spid="3">
+                                            <p:txEl>
+                                              <p:pRg st="1" end="1"/>
+                                            </p:txEl>
+                                          </p:spTgt>
+                                        </p:tgtEl>
+                                      </p:cBhvr>
+                                    </p:animEffect>
+                                  </p:childTnLst>
+                                </p:cTn>
+                              </p:par>
+                            </p:childTnLst>
+                          </p:cTn>
+                        </p:par>
+                      </p:childTnLst>
+                    </p:cTn>
+                  </p:par>
+                  <p:par>
+                    <p:cTn id="13" fill="hold">
+                      <p:stCondLst>
+                        <p:cond delay="indefinite"/>
+                      </p:stCondLst>
+                      <p:childTnLst>
+                        <p:par>
+                          <p:cTn id="14" fill="hold">
+                            <p:stCondLst>
+                              <p:cond delay="0"/>
+                            </p:stCondLst>
+                            <p:childTnLst>
+                              <p:par>
+                                <p:cTn id="15" presetID="10" presetClass="entr" presetSubtype="0" fill="hold" grpId="0" nodeType="clickEffect">
+                                  <p:stCondLst>
+                                    <p:cond delay="0"/>
+                                  </p:stCondLst>
+                                  <p:childTnLst>
+                                    <p:set>
+                                      <p:cBhvr>
+                                        <p:cTn id="16" dur="1" fill="hold">
+                                          <p:stCondLst>
+                                            <p:cond delay="0"/>
+                                          </p:stCondLst>
+                                        </p:cTn>
+                                        <p:tgtEl>
+                                          <p:spTgt spid="3">
+                                            <p:txEl>
+                                              <p:pRg st="2" end="2"/>
+                                            </p:txEl>
+                                          </p:spTgt>
+                                        </p:tgtEl>
+                                        <p:attrNameLst>
+                                          <p:attrName>style.visibility</p:attrName>
+                                        </p:attrNameLst>
+                                      </p:cBhvr>
+                                      <p:to>
+                                        <p:strVal val="visible"/>
+                                      </p:to>
+                                    </p:set>
+                                    <p:animEffect transition="in" filter="fade">
+                                      <p:cBhvr>
+                                        <p:cTn id="17" dur="500"/>
+                                        <p:tgtEl>
+                                          <p:spTgt spid="3">
+                                            <p:txEl>
+                                              <p:pRg st="2" end="2"/>
+                                            </p:txEl>
+                                          </p:spTgt>
+                                        </p:tgtEl>
+                                      </p:cBhvr>
+                                    </p:animEffect>
+                                  </p:childTnLst>
+                                </p:cTn>
+                              </p:par>
+                            </p:childTnLst>
+                          </p:cTn>
+                        </p:par>
+                      </p:childTnLst>
+                    </p:cTn>
+                  </p:par>
+                  <p:par>
+                    <p:cTn id="18" fill="hold">
+                      <p:stCondLst>
+                        <p:cond delay="indefinite"/>
+                      </p:stCondLst>
+                      <p:childTnLst>
+                        <p:par>
+                          <p:cTn id="19" fill="hold">
+                            <p:stCondLst>
+                              <p:cond delay="0"/>
+                            </p:stCondLst>
+                            <p:childTnLst>
+                              <p:par>
+                                <p:cTn id="20" presetID="10" presetClass="entr" presetSubtype="0" fill="hold" grpId="0" nodeType="clickEffect">
+                                  <p:stCondLst>
+                                    <p:cond delay="0"/>
+                                  </p:stCondLst>
+                                  <p:childTnLst>
+                                    <p:set>
+                                      <p:cBhvr>
+                                        <p:cTn id="21" dur="1" fill="hold">
+                                          <p:stCondLst>
+                                            <p:cond delay="0"/>
+                                          </p:stCondLst>
+                                        </p:cTn>
+                                        <p:tgtEl>
+                                          <p:spTgt spid="3">
+                                            <p:txEl>
+                                              <p:pRg st="3" end="3"/>
+                                            </p:txEl>
+                                          </p:spTgt>
+                                        </p:tgtEl>
+                                        <p:attrNameLst>
+                                          <p:attrName>style.visibility</p:attrName>
+                                        </p:attrNameLst>
+                                      </p:cBhvr>
+                                      <p:to>
+                                        <p:strVal val="visible"/>
+                                      </p:to>
+                                    </p:set>
+                                    <p:animEffect transition="in" filter="fade">
+                                      <p:cBhvr>
+                                        <p:cTn id="22" dur="500"/>
+                                        <p:tgtEl>
+                                          <p:spTgt spid="3">
+                                            <p:txEl>
+                                              <p:pRg st="3" end="3"/>
+                                            </p:txEl>
+                                          </p:spTgt>
+                                        </p:tgtEl>
+                                      </p:cBhvr>
+                                    </p:animEffect>
+                                  </p:childTnLst>
+                                </p:cTn>
+                              </p:par>
+                            </p:childTnLst>
+                          </p:cTn>
+                        </p:par>
+                      </p:childTnLst>
+                    </p:cTn>
+                  </p:par>
+                  <p:par>
+                    <p:cTn id="23" fill="hold">
+                      <p:stCondLst>
+                        <p:cond delay="indefinite"/>
+                      </p:stCondLst>
+                      <p:childTnLst>
+                        <p:par>
+                          <p:cTn id="24" fill="hold">
+                            <p:stCondLst>
+                              <p:cond delay="0"/>
+                            </p:stCondLst>
+                            <p:childTnLst>
+                              <p:par>
+                                <p:cTn id="25" presetID="10" presetClass="entr" presetSubtype="0" fill="hold" grpId="0" nodeType="clickEffect">
+                                  <p:stCondLst>
+                                    <p:cond delay="0"/>
+                                  </p:stCondLst>
+                                  <p:childTnLst>
+                                    <p:set>
+                                      <p:cBhvr>
+                                        <p:cTn id="26" dur="1" fill="hold">
+                                          <p:stCondLst>
+                                            <p:cond delay="0"/>
+                                          </p:stCondLst>
+                                        </p:cTn>
+                                        <p:tgtEl>
+                                          <p:spTgt spid="3">
+                                            <p:txEl>
+                                              <p:pRg st="4" end="4"/>
+                                            </p:txEl>
+                                          </p:spTgt>
+                                        </p:tgtEl>
+                                        <p:attrNameLst>
+                                          <p:attrName>style.visibility</p:attrName>
+                                        </p:attrNameLst>
+                                      </p:cBhvr>
+                                      <p:to>
+                                        <p:strVal val="visible"/>
+                                      </p:to>
+                                    </p:set>
+                                    <p:animEffect transition="in" filter="fade">
+                                      <p:cBhvr>
+                                        <p:cTn id="27" dur="500"/>
+                                        <p:tgtEl>
+                                          <p:spTgt spid="3">
+                                            <p:txEl>
+                                              <p:pRg st="4" end="4"/>
+                                            </p:txEl>
+                                          </p:spTgt>
+                                        </p:tgtEl>
+                                      </p:cBhvr>
+                                    </p:animEffect>
+                                  </p:childTnLst>
+                                </p:cTn>
+                              </p:par>
+                            </p:childTnLst>
+                          </p:cTn>
+                        </p:par>
+                      </p:childTnLst>
+                    </p:cTn>
+                  </p:par>
+                </p:childTnLst>
+              </p:cTn>
+              <p:prevCondLst>
+                <p:cond evt="onPrev" delay="0">
+                  <p:tgtEl>
+                    <p:sldTgt/>
+                  </p:tgtEl>
+                </p:cond>
+              </p:prevCondLst>
+              <p:nextCondLst>
+                <p:cond evt="onNext" delay="0">
+                  <p:tgtEl>
+                    <p:sldTgt/>
+                  </p:tgtEl>
+                </p:cond>
+              </p:nextCondLst>
+            </p:seq>
+          </p:childTnLst>
+        </p:cTn>
+      </p:par>
+    </p:tnLst>
+    <p:bldLst>
+      <p:bldP spid="3" grpId="0" uiExpand="1" build="p">
+        <p:tmplLst>
+          <p:tmpl lvl="1">
+            <p:tnLst>
+              <p:par>
+                <p:cTn presetID="10" presetClass="entr" presetSubtype="0" fill="hold" nodeType="clickEffect">
+                  <p:stCondLst>
+                    <p:cond delay="0"/>
+                  </p:stCondLst>
+                  <p:childTnLst>
+                    <p:set>
+                      <p:cBhvr>
+                        <p:cTn dur="1" fill="hold">
+                          <p:stCondLst>
+                            <p:cond delay="0"/>
+                          </p:stCondLst>
+                        </p:cTn>
+                        <p:tgtEl>
+                          <p:spTgt spid="3"/>
+                        </p:tgtEl>
+                        <p:attrNameLst>
+                          <p:attrName>style.visibility</p:attrName>
+                        </p:attrNameLst>
+                      </p:cBhvr>
+                      <p:to>
+                        <p:strVal val="visible"/>
+                      </p:to>
+                    </p:set>
+                    <p:animEffect transition="in" filter="fade">
+                      <p:cBhvr>
+                        <p:cTn dur="500"/>
+                        <p:tgtEl>
+                          <p:spTgt spid="3"/>
+                        </p:tgtEl>
+                      </p:cBhvr>
+                    </p:animEffect>
+                  </p:childTnLst>
+                </p:cTn>
+              </p:par>
+            </p:tnLst>
+          </p:tmpl>
+          <p:tmpl lvl="2">
+            <p:tnLst>
+              <p:par>
+                <p:cTn presetID="10" presetClass="entr" presetSubtype="0" fill="hold" nodeType="clickEffect">
+                  <p:stCondLst>
+                    <p:cond delay="0"/>
+                  </p:stCondLst>
+                  <p:childTnLst>
+                    <p:set>
+                      <p:cBhvr>
+                        <p:cTn dur="1" fill="hold">
+                          <p:stCondLst>
+                            <p:cond delay="0"/>
+                          </p:stCondLst>
+                        </p:cTn>
+                        <p:tgtEl>
+                          <p:spTgt spid="3"/>
+                        </p:tgtEl>
+                        <p:attrNameLst>
+                          <p:attrName>style.visibility</p:attrName>
+                        </p:attrNameLst>
+                      </p:cBhvr>
+                      <p:to>
+                        <p:strVal val="visible"/>
+                      </p:to>
+                    </p:set>
+                    <p:animEffect transition="in" filter="fade">
+                      <p:cBhvr>
+                        <p:cTn dur="500"/>
+                        <p:tgtEl>
+                          <p:spTgt spid="3"/>
+                        </p:tgtEl>
+                      </p:cBhvr>
+                    </p:animEffect>
+                  </p:childTnLst>
+                </p:cTn>
+              </p:par>
+            </p:tnLst>
+          </p:tmpl>
+          <p:tmpl lvl="3">
+            <p:tnLst>
+              <p:par>
+                <p:cTn presetID="10" presetClass="entr" presetSubtype="0" fill="hold" nodeType="clickEffect">
+                  <p:stCondLst>
+                    <p:cond delay="0"/>
+                  </p:stCondLst>
+                  <p:childTnLst>
+                    <p:set>
+                      <p:cBhvr>
+                        <p:cTn dur="1" fill="hold">
+                          <p:stCondLst>
+                            <p:cond delay="0"/>
+                          </p:stCondLst>
+                        </p:cTn>
+                        <p:tgtEl>
+                          <p:spTgt spid="3"/>
+                        </p:tgtEl>
+                        <p:attrNameLst>
+                          <p:attrName>style.visibility</p:attrName>
+                        </p:attrNameLst>
+                      </p:cBhvr>
+                      <p:to>
+                        <p:strVal val="visible"/>
+                      </p:to>
+                    </p:set>
+                    <p:animEffect transition="in" filter="fade">
+                      <p:cBhvr>
+                        <p:cTn dur="500"/>
+                        <p:tgtEl>
+                          <p:spTgt spid="3"/>
+                        </p:tgtEl>
+                      </p:cBhvr>
+                    </p:animEffect>
+                  </p:childTnLst>
+                </p:cTn>
+              </p:par>
+            </p:tnLst>
+          </p:tmpl>
+          <p:tmpl lvl="4">
+            <p:tnLst>
+              <p:par>
+                <p:cTn presetID="10" presetClass="entr" presetSubtype="0" fill="hold" nodeType="clickEffect">
+                  <p:stCondLst>
+                    <p:cond delay="0"/>
+                  </p:stCondLst>
+                  <p:childTnLst>
+                    <p:set>
+                      <p:cBhvr>
+                        <p:cTn dur="1" fill="hold">
+                          <p:stCondLst>
+                            <p:cond delay="0"/>
+                          </p:stCondLst>
+                        </p:cTn>
+                        <p:tgtEl>
+                          <p:spTgt spid="3"/>
+                        </p:tgtEl>
+                        <p:attrNameLst>
+                          <p:attrName>style.visibility</p:attrName>
+                        </p:attrNameLst>
+                      </p:cBhvr>
+                      <p:to>
+                        <p:strVal val="visible"/>
+                      </p:to>
+                    </p:set>
+                    <p:animEffect transition="in" filter="fade">
+                      <p:cBhvr>
+                        <p:cTn dur="500"/>
+                        <p:tgtEl>
+                          <p:spTgt spid="3"/>
+                        </p:tgtEl>
+                      </p:cBhvr>
+                    </p:animEffect>
+                  </p:childTnLst>
+                </p:cTn>
+              </p:par>
+            </p:tnLst>
+          </p:tmpl>
+          <p:tmpl lvl="5">
+            <p:tnLst>
+              <p:par>
+                <p:cTn presetID="10" presetClass="entr" presetSubtype="0" fill="hold" nodeType="clickEffect">
+                  <p:stCondLst>
+                    <p:cond delay="0"/>
+                  </p:stCondLst>
+                  <p:childTnLst>
+                    <p:set>
+                      <p:cBhvr>
+                        <p:cTn dur="1" fill="hold">
+                          <p:stCondLst>
+                            <p:cond delay="0"/>
+                          </p:stCondLst>
+                        </p:cTn>
+                        <p:tgtEl>
+                          <p:spTgt spid="3"/>
+                        </p:tgtEl>
+                        <p:attrNameLst>
+                          <p:attrName>style.visibility</p:attrName>
+                        </p:attrNameLst>
+                      </p:cBhvr>
+                      <p:to>
+                        <p:strVal val="visible"/>
+                      </p:to>
+                    </p:set>
+                    <p:animEffect transition="in" filter="fade">
+                      <p:cBhvr>
+                        <p:cTn dur="500"/>
+                        <p:tgtEl>
+                          <p:spTgt spid="3"/>
+                        </p:tgtEl>
+                      </p:cBhvr>
+                    </p:animEffect>
+                  </p:childTnLst>
+                </p:cTn>
+              </p:par>
+            </p:tnLst>
+          </p:tmpl>
+        </p:tmplLst>
+      </p:bldP>
+    </p:bldLst>
+  </p:timing>
 </p:sldLayout>
 </file>
 
@@ -3804,17 +4340,17 @@
           <a:lstStyle/>
           <a:p>
             <a:r>
-              <a:rPr lang="en-US" altLang="zh-CN" sz="3200" dirty="0">
+              <a:rPr lang="en-US" altLang="zh-CN" sz="3600" dirty="0">
                 <a:latin typeface="Comic Sans MS" panose="030F0702030302020204" pitchFamily="66" charset="0"/>
               </a:rPr>
               <a:t>A naïve RISC-V CPU</a:t>
             </a:r>
             <a:br>
-              <a:rPr lang="en-US" altLang="zh-CN" sz="3200" dirty="0">
+              <a:rPr lang="en-US" altLang="zh-CN" sz="3600" dirty="0">
                 <a:latin typeface="Comic Sans MS" panose="030F0702030302020204" pitchFamily="66" charset="0"/>
               </a:rPr>
             </a:br>
-            <a:endParaRPr lang="zh-CN" altLang="en-US" sz="3200" dirty="0">
+            <a:endParaRPr lang="zh-CN" altLang="en-US" sz="3600" dirty="0">
               <a:latin typeface="Comic Sans MS" panose="030F0702030302020204" pitchFamily="66" charset="0"/>
             </a:endParaRPr>
           </a:p>
@@ -4191,7 +4727,7 @@
           <a:p>
             <a:r>
               <a:rPr lang="en-US" altLang="zh-CN" dirty="0"/>
-              <a:t>I don’t know why but it does little to reduce miss rate</a:t>
+              <a:t>It does little to reduce miss rate</a:t>
             </a:r>
           </a:p>
           <a:p>
@@ -5524,7 +6060,7 @@
           <a:p>
             <a:r>
               <a:rPr lang="en-US" altLang="zh-CN" dirty="0"/>
-              <a:t>No I-cache?</a:t>
+              <a:t>Without I-cache?</a:t>
             </a:r>
           </a:p>
           <a:p>
@@ -5937,7 +6473,31 @@
             <a:pPr lvl="2"/>
             <a:r>
               <a:rPr lang="en-US" altLang="zh-CN" dirty="0"/>
-              <a:t>useless</a:t>
+              <a:t>Useless</a:t>
+            </a:r>
+          </a:p>
+          <a:p>
+            <a:pPr lvl="2"/>
+            <a:endParaRPr lang="en-US" altLang="zh-CN" dirty="0"/>
+          </a:p>
+          <a:p>
+            <a:r>
+              <a:rPr lang="en-US" altLang="zh-CN" dirty="0"/>
+              <a:t>Write through</a:t>
+            </a:r>
+          </a:p>
+          <a:p>
+            <a:pPr lvl="2"/>
+            <a:endParaRPr lang="en-US" altLang="zh-CN" dirty="0"/>
+          </a:p>
+          <a:p>
+            <a:pPr lvl="2"/>
+            <a:endParaRPr lang="en-US" altLang="zh-CN" dirty="0"/>
+          </a:p>
+          <a:p>
+            <a:r>
+              <a:rPr lang="en-US" altLang="zh-CN" dirty="0"/>
+              <a:t>1 byte, 2 bytes, 4 bytes</a:t>
             </a:r>
           </a:p>
           <a:p>
@@ -6850,11 +7410,25 @@
           <a:p>
             <a:r>
               <a:rPr lang="en-US" altLang="zh-CN" dirty="0"/>
-              <a:t>When higher than 130 MHz, </a:t>
-            </a:r>
+              <a:t>When higher than 130 MHz</a:t>
+            </a:r>
+          </a:p>
+          <a:p>
+            <a:pPr lvl="1"/>
             <a:r>
               <a:rPr lang="en-US" altLang="zh-CN" dirty="0" err="1"/>
-              <a:t>Bulgarian.c</a:t>
+              <a:t>pi.c</a:t>
+            </a:r>
+            <a:r>
+              <a:rPr lang="en-US" altLang="zh-CN" dirty="0"/>
+              <a:t> can still be passed</a:t>
+            </a:r>
+          </a:p>
+          <a:p>
+            <a:pPr lvl="1"/>
+            <a:r>
+              <a:rPr lang="en-US" altLang="zh-CN" dirty="0" err="1"/>
+              <a:t>bulgarian.c</a:t>
             </a:r>
             <a:r>
               <a:rPr lang="en-US" altLang="zh-CN" dirty="0"/>
@@ -6865,7 +7439,7 @@
             <a:pPr lvl="1"/>
             <a:r>
               <a:rPr lang="en-US" altLang="zh-CN" dirty="0"/>
-              <a:t>Because of the bad </a:t>
+              <a:t>Due to bad </a:t>
             </a:r>
             <a:r>
               <a:rPr lang="en-US" altLang="zh-CN" dirty="0" err="1"/>
